--- a/lectures/07-Emulator.pptx
+++ b/lectures/07-Emulator.pptx
@@ -5,7 +5,7 @@
     <p:sldMasterId id="2147483648" r:id="rId1"/>
   </p:sldMasterIdLst>
   <p:notesMasterIdLst>
-    <p:notesMasterId r:id="rId21"/>
+    <p:notesMasterId r:id="rId22"/>
   </p:notesMasterIdLst>
   <p:sldIdLst>
     <p:sldId id="256" r:id="rId2"/>
@@ -18,15 +18,16 @@
     <p:sldId id="437" r:id="rId9"/>
     <p:sldId id="438" r:id="rId10"/>
     <p:sldId id="551" r:id="rId11"/>
-    <p:sldId id="552" r:id="rId12"/>
-    <p:sldId id="553" r:id="rId13"/>
-    <p:sldId id="432" r:id="rId14"/>
-    <p:sldId id="550" r:id="rId15"/>
-    <p:sldId id="427" r:id="rId16"/>
-    <p:sldId id="549" r:id="rId17"/>
-    <p:sldId id="532" r:id="rId18"/>
-    <p:sldId id="352" r:id="rId19"/>
-    <p:sldId id="285" r:id="rId20"/>
+    <p:sldId id="554" r:id="rId12"/>
+    <p:sldId id="552" r:id="rId13"/>
+    <p:sldId id="553" r:id="rId14"/>
+    <p:sldId id="432" r:id="rId15"/>
+    <p:sldId id="550" r:id="rId16"/>
+    <p:sldId id="427" r:id="rId17"/>
+    <p:sldId id="549" r:id="rId18"/>
+    <p:sldId id="532" r:id="rId19"/>
+    <p:sldId id="352" r:id="rId20"/>
+    <p:sldId id="285" r:id="rId21"/>
   </p:sldIdLst>
   <p:sldSz cx="12192000" cy="6858000"/>
   <p:notesSz cx="6858000" cy="9144000"/>
@@ -847,7 +848,7 @@
           <a:p>
             <a:fld id="{E556CA6E-FF8B-CA4B-9680-EA2F986E67B7}" type="slidenum">
               <a:rPr lang="en-US" smtClean="0"/>
-              <a:t>15</a:t>
+              <a:t>16</a:t>
             </a:fld>
             <a:endParaRPr lang="en-US"/>
           </a:p>
@@ -4279,6 +4280,170 @@
       </p:grpSpPr>
       <p:sp>
         <p:nvSpPr>
+          <p:cNvPr id="2" name="Title 1">
+            <a:extLst>
+              <a:ext uri="{FF2B5EF4-FFF2-40B4-BE49-F238E27FC236}">
+                <a16:creationId xmlns:a16="http://schemas.microsoft.com/office/drawing/2014/main" id="{7395B57F-D37F-D34C-0D88-B63EC083A76E}"/>
+              </a:ext>
+            </a:extLst>
+          </p:cNvPr>
+          <p:cNvSpPr>
+            <a:spLocks noGrp="1"/>
+          </p:cNvSpPr>
+          <p:nvPr>
+            <p:ph type="title"/>
+          </p:nvPr>
+        </p:nvSpPr>
+        <p:spPr/>
+        <p:txBody>
+          <a:bodyPr/>
+          <a:lstStyle/>
+          <a:p>
+            <a:r>
+              <a:rPr lang="en-US" dirty="0"/>
+              <a:t>WASM versus traditional Assembly</a:t>
+            </a:r>
+          </a:p>
+        </p:txBody>
+      </p:sp>
+      <p:sp>
+        <p:nvSpPr>
+          <p:cNvPr id="3" name="Content Placeholder 2">
+            <a:extLst>
+              <a:ext uri="{FF2B5EF4-FFF2-40B4-BE49-F238E27FC236}">
+                <a16:creationId xmlns:a16="http://schemas.microsoft.com/office/drawing/2014/main" id="{95CD95F6-3C42-3C7B-D47C-97B60DEB8E1D}"/>
+              </a:ext>
+            </a:extLst>
+          </p:cNvPr>
+          <p:cNvSpPr>
+            <a:spLocks noGrp="1"/>
+          </p:cNvSpPr>
+          <p:nvPr>
+            <p:ph idx="1"/>
+          </p:nvPr>
+        </p:nvSpPr>
+        <p:spPr/>
+        <p:txBody>
+          <a:bodyPr>
+            <a:normAutofit fontScale="92500" lnSpcReduction="20000"/>
+          </a:bodyPr>
+          <a:lstStyle/>
+          <a:p>
+            <a:r>
+              <a:rPr lang="en-US" b="1" dirty="0"/>
+              <a:t>Sandboxed by design</a:t>
+            </a:r>
+            <a:r>
+              <a:rPr lang="en-US" dirty="0"/>
+              <a:t>: </a:t>
+            </a:r>
+            <a:r>
+              <a:rPr lang="en-US" dirty="0" err="1"/>
+              <a:t>Wasm</a:t>
+            </a:r>
+            <a:r>
+              <a:rPr lang="en-US" dirty="0"/>
+              <a:t> runs in a strict sandbox with no direct access to memory, files, or OS — unlike native assembly which runs with full process privileges.</a:t>
+            </a:r>
+          </a:p>
+          <a:p>
+            <a:r>
+              <a:rPr lang="en-US" b="1" dirty="0"/>
+              <a:t>Safe execution model</a:t>
+            </a:r>
+            <a:r>
+              <a:rPr lang="en-US" dirty="0"/>
+              <a:t>: Structured control flow, validated code, and no undefined jumps help prevent many classic crashes and exploits.</a:t>
+            </a:r>
+          </a:p>
+          <a:p>
+            <a:r>
+              <a:rPr lang="en-US" b="1" dirty="0"/>
+              <a:t>Portable bytecode</a:t>
+            </a:r>
+            <a:r>
+              <a:rPr lang="en-US" dirty="0"/>
+              <a:t>: Same </a:t>
+            </a:r>
+            <a:r>
+              <a:rPr lang="en-US" dirty="0" err="1"/>
+              <a:t>Wasm</a:t>
+            </a:r>
+            <a:r>
+              <a:rPr lang="en-US" dirty="0"/>
+              <a:t> runs on any browser or runtime; traditional assembly is tied to a specific CPU (x86, ARM, etc.).</a:t>
+            </a:r>
+          </a:p>
+          <a:p>
+            <a:r>
+              <a:rPr lang="en-US" b="1" dirty="0"/>
+              <a:t>Abstract machine</a:t>
+            </a:r>
+            <a:r>
+              <a:rPr lang="en-US" dirty="0"/>
+              <a:t>: </a:t>
+            </a:r>
+            <a:r>
+              <a:rPr lang="en-US" dirty="0" err="1"/>
+              <a:t>Wasm</a:t>
+            </a:r>
+            <a:r>
+              <a:rPr lang="en-US" dirty="0"/>
+              <a:t> targets a virtual stack machine, not real hardware — traditional assembly maps directly to CPU instructions.</a:t>
+            </a:r>
+          </a:p>
+          <a:p>
+            <a:r>
+              <a:rPr lang="en-US" b="1" dirty="0"/>
+              <a:t>Optimized by the host</a:t>
+            </a:r>
+            <a:r>
+              <a:rPr lang="en-US" dirty="0"/>
+              <a:t>: Browsers and runtimes validate and compile Just In Time (JIT) - compile </a:t>
+            </a:r>
+            <a:r>
+              <a:rPr lang="en-US" dirty="0" err="1"/>
+              <a:t>Wasm</a:t>
+            </a:r>
+            <a:r>
+              <a:rPr lang="en-US" dirty="0"/>
+              <a:t> safely, while native assembly relies on machine code produced elsewhere with no validation.</a:t>
+            </a:r>
+          </a:p>
+        </p:txBody>
+      </p:sp>
+    </p:spTree>
+    <p:extLst>
+      <p:ext uri="{BB962C8B-B14F-4D97-AF65-F5344CB8AC3E}">
+        <p14:creationId xmlns:p14="http://schemas.microsoft.com/office/powerpoint/2010/main" val="3827802350"/>
+      </p:ext>
+    </p:extLst>
+  </p:cSld>
+  <p:clrMapOvr>
+    <a:masterClrMapping/>
+  </p:clrMapOvr>
+</p:sld>
+</file>
+
+<file path=ppt/slides/slide12.xml><?xml version="1.0" encoding="utf-8"?>
+<p:sld xmlns:a="http://schemas.openxmlformats.org/drawingml/2006/main" xmlns:r="http://schemas.openxmlformats.org/officeDocument/2006/relationships" xmlns:p="http://schemas.openxmlformats.org/presentationml/2006/main">
+  <p:cSld>
+    <p:spTree>
+      <p:nvGrpSpPr>
+        <p:cNvPr id="1" name=""/>
+        <p:cNvGrpSpPr/>
+        <p:nvPr/>
+      </p:nvGrpSpPr>
+      <p:grpSpPr>
+        <a:xfrm>
+          <a:off x="0" y="0"/>
+          <a:ext cx="0" cy="0"/>
+          <a:chOff x="0" y="0"/>
+          <a:chExt cx="0" cy="0"/>
+        </a:xfrm>
+      </p:grpSpPr>
+      <p:sp>
+        <p:nvSpPr>
           <p:cNvPr id="4" name="TextBox 3">
             <a:extLst>
               <a:ext uri="{FF2B5EF4-FFF2-40B4-BE49-F238E27FC236}">
@@ -4613,7 +4778,7 @@
 </p:sld>
 </file>
 
-<file path=ppt/slides/slide12.xml><?xml version="1.0" encoding="utf-8"?>
+<file path=ppt/slides/slide13.xml><?xml version="1.0" encoding="utf-8"?>
 <p:sld xmlns:a="http://schemas.openxmlformats.org/drawingml/2006/main" xmlns:r="http://schemas.openxmlformats.org/officeDocument/2006/relationships" xmlns:p="http://schemas.openxmlformats.org/presentationml/2006/main">
   <p:cSld>
     <p:spTree>
@@ -4672,92 +4837,6 @@
 </p:sld>
 </file>
 
-<file path=ppt/slides/slide13.xml><?xml version="1.0" encoding="utf-8"?>
-<p:sld xmlns:a="http://schemas.openxmlformats.org/drawingml/2006/main" xmlns:r="http://schemas.openxmlformats.org/officeDocument/2006/relationships" xmlns:p="http://schemas.openxmlformats.org/presentationml/2006/main">
-  <p:cSld>
-    <p:spTree>
-      <p:nvGrpSpPr>
-        <p:cNvPr id="1" name=""/>
-        <p:cNvGrpSpPr/>
-        <p:nvPr/>
-      </p:nvGrpSpPr>
-      <p:grpSpPr>
-        <a:xfrm>
-          <a:off x="0" y="0"/>
-          <a:ext cx="0" cy="0"/>
-          <a:chOff x="0" y="0"/>
-          <a:chExt cx="0" cy="0"/>
-        </a:xfrm>
-      </p:grpSpPr>
-      <p:sp>
-        <p:nvSpPr>
-          <p:cNvPr id="3" name="Title 2">
-            <a:extLst>
-              <a:ext uri="{FF2B5EF4-FFF2-40B4-BE49-F238E27FC236}">
-                <a16:creationId xmlns:a16="http://schemas.microsoft.com/office/drawing/2014/main" id="{CC3ED383-251A-91AB-939A-FDF927DEDC2B}"/>
-              </a:ext>
-            </a:extLst>
-          </p:cNvPr>
-          <p:cNvSpPr>
-            <a:spLocks noGrp="1"/>
-          </p:cNvSpPr>
-          <p:nvPr>
-            <p:ph type="title"/>
-          </p:nvPr>
-        </p:nvSpPr>
-        <p:spPr/>
-        <p:txBody>
-          <a:bodyPr/>
-          <a:lstStyle/>
-          <a:p>
-            <a:r>
-              <a:rPr lang="en-US" dirty="0"/>
-              <a:t>From the 6502 to the Present</a:t>
-            </a:r>
-          </a:p>
-        </p:txBody>
-      </p:sp>
-      <p:sp>
-        <p:nvSpPr>
-          <p:cNvPr id="4" name="Text Placeholder 3">
-            <a:extLst>
-              <a:ext uri="{FF2B5EF4-FFF2-40B4-BE49-F238E27FC236}">
-                <a16:creationId xmlns:a16="http://schemas.microsoft.com/office/drawing/2014/main" id="{743E5DA5-1B32-A018-DEE8-8C6E9E81B205}"/>
-              </a:ext>
-            </a:extLst>
-          </p:cNvPr>
-          <p:cNvSpPr>
-            <a:spLocks noGrp="1"/>
-          </p:cNvSpPr>
-          <p:nvPr>
-            <p:ph type="body" idx="1"/>
-          </p:nvPr>
-        </p:nvSpPr>
-        <p:spPr/>
-        <p:txBody>
-          <a:bodyPr/>
-          <a:lstStyle/>
-          <a:p>
-            <a:r>
-              <a:rPr lang="en-US" dirty="0"/>
-              <a:t>A lot has changed since the 6502 was available as a $25 microprocessor</a:t>
-            </a:r>
-          </a:p>
-        </p:txBody>
-      </p:sp>
-    </p:spTree>
-    <p:extLst>
-      <p:ext uri="{BB962C8B-B14F-4D97-AF65-F5344CB8AC3E}">
-        <p14:creationId xmlns:p14="http://schemas.microsoft.com/office/powerpoint/2010/main" val="412732281"/>
-      </p:ext>
-    </p:extLst>
-  </p:cSld>
-  <p:clrMapOvr>
-    <a:masterClrMapping/>
-  </p:clrMapOvr>
-</p:sld>
-</file>
-
 <file path=ppt/slides/slide14.xml><?xml version="1.0" encoding="utf-8"?>
 <p:sld xmlns:a="http://schemas.openxmlformats.org/drawingml/2006/main" xmlns:r="http://schemas.openxmlformats.org/officeDocument/2006/relationships" xmlns:p="http://schemas.openxmlformats.org/presentationml/2006/main">
   <p:cSld>
@@ -4777,10 +4856,10 @@
       </p:grpSpPr>
       <p:sp>
         <p:nvSpPr>
-          <p:cNvPr id="4" name="Title 3">
-            <a:extLst>
-              <a:ext uri="{FF2B5EF4-FFF2-40B4-BE49-F238E27FC236}">
-                <a16:creationId xmlns:a16="http://schemas.microsoft.com/office/drawing/2014/main" id="{1EBD3827-21BD-7F99-5998-AFD79B67813F}"/>
+          <p:cNvPr id="3" name="Title 2">
+            <a:extLst>
+              <a:ext uri="{FF2B5EF4-FFF2-40B4-BE49-F238E27FC236}">
+                <a16:creationId xmlns:a16="http://schemas.microsoft.com/office/drawing/2014/main" id="{CC3ED383-251A-91AB-939A-FDF927DEDC2B}"/>
               </a:ext>
             </a:extLst>
           </p:cNvPr>
@@ -4798,25 +4877,25 @@
           <a:p>
             <a:r>
               <a:rPr lang="en-US" dirty="0"/>
-              <a:t>Modern CPUs</a:t>
-            </a:r>
-          </a:p>
-        </p:txBody>
-      </p:sp>
-      <p:sp>
-        <p:nvSpPr>
-          <p:cNvPr id="5" name="Content Placeholder 4">
-            <a:extLst>
-              <a:ext uri="{FF2B5EF4-FFF2-40B4-BE49-F238E27FC236}">
-                <a16:creationId xmlns:a16="http://schemas.microsoft.com/office/drawing/2014/main" id="{758807A2-2257-C5B1-4361-38128AC34A76}"/>
-              </a:ext>
-            </a:extLst>
-          </p:cNvPr>
-          <p:cNvSpPr>
-            <a:spLocks noGrp="1"/>
-          </p:cNvSpPr>
-          <p:nvPr>
-            <p:ph idx="1"/>
+              <a:t>From the 6502 to the Present</a:t>
+            </a:r>
+          </a:p>
+        </p:txBody>
+      </p:sp>
+      <p:sp>
+        <p:nvSpPr>
+          <p:cNvPr id="4" name="Text Placeholder 3">
+            <a:extLst>
+              <a:ext uri="{FF2B5EF4-FFF2-40B4-BE49-F238E27FC236}">
+                <a16:creationId xmlns:a16="http://schemas.microsoft.com/office/drawing/2014/main" id="{743E5DA5-1B32-A018-DEE8-8C6E9E81B205}"/>
+              </a:ext>
+            </a:extLst>
+          </p:cNvPr>
+          <p:cNvSpPr>
+            <a:spLocks noGrp="1"/>
+          </p:cNvSpPr>
+          <p:nvPr>
+            <p:ph type="body" idx="1"/>
           </p:nvPr>
         </p:nvSpPr>
         <p:spPr/>
@@ -4826,67 +4905,7 @@
           <a:p>
             <a:r>
               <a:rPr lang="en-US" dirty="0"/>
-              <a:t>Since the 1970's there have been about 50 distinct </a:t>
-            </a:r>
-            <a:r>
-              <a:rPr lang="en-US"/>
-              <a:t>CPU families</a:t>
-            </a:r>
-            <a:endParaRPr lang="en-US" dirty="0"/>
-          </a:p>
-          <a:p>
-            <a:pPr lvl="1"/>
-            <a:r>
-              <a:rPr lang="en-US" dirty="0"/>
-              <a:t>Lots of research and innovation</a:t>
-            </a:r>
-          </a:p>
-          <a:p>
-            <a:pPr lvl="1"/>
-            <a:r>
-              <a:rPr lang="en-US" dirty="0"/>
-              <a:t>Adoption and switching</a:t>
-            </a:r>
-          </a:p>
-          <a:p>
-            <a:pPr lvl="1"/>
-            <a:r>
-              <a:rPr lang="en-US" dirty="0"/>
-              <a:t>Generational turn over </a:t>
-            </a:r>
-          </a:p>
-          <a:p>
-            <a:pPr lvl="2"/>
-            <a:r>
-              <a:rPr lang="en-US" dirty="0"/>
-              <a:t>From CISC to RISC</a:t>
-            </a:r>
-          </a:p>
-          <a:p>
-            <a:pPr lvl="2"/>
-            <a:r>
-              <a:rPr lang="en-US" dirty="0"/>
-              <a:t>From mainframe to microprocessor</a:t>
-            </a:r>
-          </a:p>
-          <a:p>
-            <a:r>
-              <a:rPr lang="en-US" dirty="0"/>
-              <a:t>Today there are two major CPU families in use (computers + phones)</a:t>
-            </a:r>
-          </a:p>
-          <a:p>
-            <a:pPr lvl="1"/>
-            <a:r>
-              <a:rPr lang="en-US" dirty="0"/>
-              <a:t>ARM based processors (90%)</a:t>
-            </a:r>
-          </a:p>
-          <a:p>
-            <a:pPr lvl="1"/>
-            <a:r>
-              <a:rPr lang="en-US" dirty="0"/>
-              <a:t>Intel x86 processors (10%)</a:t>
+              <a:t>A lot has changed since the 6502 was available as a $25 microprocessor</a:t>
             </a:r>
           </a:p>
         </p:txBody>
@@ -4894,7 +4913,7 @@
     </p:spTree>
     <p:extLst>
       <p:ext uri="{BB962C8B-B14F-4D97-AF65-F5344CB8AC3E}">
-        <p14:creationId xmlns:p14="http://schemas.microsoft.com/office/powerpoint/2010/main" val="2846326233"/>
+        <p14:creationId xmlns:p14="http://schemas.microsoft.com/office/powerpoint/2010/main" val="412732281"/>
       </p:ext>
     </p:extLst>
   </p:cSld>
@@ -4923,6 +4942,152 @@
       </p:grpSpPr>
       <p:sp>
         <p:nvSpPr>
+          <p:cNvPr id="4" name="Title 3">
+            <a:extLst>
+              <a:ext uri="{FF2B5EF4-FFF2-40B4-BE49-F238E27FC236}">
+                <a16:creationId xmlns:a16="http://schemas.microsoft.com/office/drawing/2014/main" id="{1EBD3827-21BD-7F99-5998-AFD79B67813F}"/>
+              </a:ext>
+            </a:extLst>
+          </p:cNvPr>
+          <p:cNvSpPr>
+            <a:spLocks noGrp="1"/>
+          </p:cNvSpPr>
+          <p:nvPr>
+            <p:ph type="title"/>
+          </p:nvPr>
+        </p:nvSpPr>
+        <p:spPr/>
+        <p:txBody>
+          <a:bodyPr/>
+          <a:lstStyle/>
+          <a:p>
+            <a:r>
+              <a:rPr lang="en-US" dirty="0"/>
+              <a:t>Modern CPUs</a:t>
+            </a:r>
+          </a:p>
+        </p:txBody>
+      </p:sp>
+      <p:sp>
+        <p:nvSpPr>
+          <p:cNvPr id="5" name="Content Placeholder 4">
+            <a:extLst>
+              <a:ext uri="{FF2B5EF4-FFF2-40B4-BE49-F238E27FC236}">
+                <a16:creationId xmlns:a16="http://schemas.microsoft.com/office/drawing/2014/main" id="{758807A2-2257-C5B1-4361-38128AC34A76}"/>
+              </a:ext>
+            </a:extLst>
+          </p:cNvPr>
+          <p:cNvSpPr>
+            <a:spLocks noGrp="1"/>
+          </p:cNvSpPr>
+          <p:nvPr>
+            <p:ph idx="1"/>
+          </p:nvPr>
+        </p:nvSpPr>
+        <p:spPr/>
+        <p:txBody>
+          <a:bodyPr/>
+          <a:lstStyle/>
+          <a:p>
+            <a:r>
+              <a:rPr lang="en-US" dirty="0"/>
+              <a:t>Since the 1970's there have been about 50 distinct </a:t>
+            </a:r>
+            <a:r>
+              <a:rPr lang="en-US"/>
+              <a:t>CPU families</a:t>
+            </a:r>
+            <a:endParaRPr lang="en-US" dirty="0"/>
+          </a:p>
+          <a:p>
+            <a:pPr lvl="1"/>
+            <a:r>
+              <a:rPr lang="en-US" dirty="0"/>
+              <a:t>Lots of research and innovation</a:t>
+            </a:r>
+          </a:p>
+          <a:p>
+            <a:pPr lvl="1"/>
+            <a:r>
+              <a:rPr lang="en-US" dirty="0"/>
+              <a:t>Adoption and switching</a:t>
+            </a:r>
+          </a:p>
+          <a:p>
+            <a:pPr lvl="1"/>
+            <a:r>
+              <a:rPr lang="en-US" dirty="0"/>
+              <a:t>Generational turn over </a:t>
+            </a:r>
+          </a:p>
+          <a:p>
+            <a:pPr lvl="2"/>
+            <a:r>
+              <a:rPr lang="en-US" dirty="0"/>
+              <a:t>From CISC to RISC</a:t>
+            </a:r>
+          </a:p>
+          <a:p>
+            <a:pPr lvl="2"/>
+            <a:r>
+              <a:rPr lang="en-US" dirty="0"/>
+              <a:t>From mainframe to microprocessor</a:t>
+            </a:r>
+          </a:p>
+          <a:p>
+            <a:r>
+              <a:rPr lang="en-US" dirty="0"/>
+              <a:t>Today there are two major CPU families in use (computers + phones)</a:t>
+            </a:r>
+          </a:p>
+          <a:p>
+            <a:pPr lvl="1"/>
+            <a:r>
+              <a:rPr lang="en-US" dirty="0"/>
+              <a:t>ARM based processors (90%)</a:t>
+            </a:r>
+          </a:p>
+          <a:p>
+            <a:pPr lvl="1"/>
+            <a:r>
+              <a:rPr lang="en-US" dirty="0"/>
+              <a:t>Intel x86 processors (10%)</a:t>
+            </a:r>
+          </a:p>
+        </p:txBody>
+      </p:sp>
+    </p:spTree>
+    <p:extLst>
+      <p:ext uri="{BB962C8B-B14F-4D97-AF65-F5344CB8AC3E}">
+        <p14:creationId xmlns:p14="http://schemas.microsoft.com/office/powerpoint/2010/main" val="2846326233"/>
+      </p:ext>
+    </p:extLst>
+  </p:cSld>
+  <p:clrMapOvr>
+    <a:masterClrMapping/>
+  </p:clrMapOvr>
+</p:sld>
+</file>
+
+<file path=ppt/slides/slide16.xml><?xml version="1.0" encoding="utf-8"?>
+<p:sld xmlns:a="http://schemas.openxmlformats.org/drawingml/2006/main" xmlns:r="http://schemas.openxmlformats.org/officeDocument/2006/relationships" xmlns:p="http://schemas.openxmlformats.org/presentationml/2006/main">
+  <p:cSld>
+    <p:spTree>
+      <p:nvGrpSpPr>
+        <p:cNvPr id="1" name=""/>
+        <p:cNvGrpSpPr/>
+        <p:nvPr/>
+      </p:nvGrpSpPr>
+      <p:grpSpPr>
+        <a:xfrm>
+          <a:off x="0" y="0"/>
+          <a:ext cx="0" cy="0"/>
+          <a:chOff x="0" y="0"/>
+          <a:chExt cx="0" cy="0"/>
+        </a:xfrm>
+      </p:grpSpPr>
+      <p:sp>
+        <p:nvSpPr>
           <p:cNvPr id="2" name="Title 1">
             <a:extLst>
               <a:ext uri="{FF2B5EF4-FFF2-40B4-BE49-F238E27FC236}">
@@ -5048,7 +5213,7 @@
 </p:sld>
 </file>
 
-<file path=ppt/slides/slide16.xml><?xml version="1.0" encoding="utf-8"?>
+<file path=ppt/slides/slide17.xml><?xml version="1.0" encoding="utf-8"?>
 <p:sld xmlns:a="http://schemas.openxmlformats.org/drawingml/2006/main" xmlns:r="http://schemas.openxmlformats.org/officeDocument/2006/relationships" xmlns:p="http://schemas.openxmlformats.org/presentationml/2006/main">
   <p:cSld>
     <p:bg>
@@ -5931,7 +6096,7 @@
 </p:sld>
 </file>
 
-<file path=ppt/slides/slide17.xml><?xml version="1.0" encoding="utf-8"?>
+<file path=ppt/slides/slide18.xml><?xml version="1.0" encoding="utf-8"?>
 <p:sld xmlns:a="http://schemas.openxmlformats.org/drawingml/2006/main" xmlns:r="http://schemas.openxmlformats.org/officeDocument/2006/relationships" xmlns:p="http://schemas.openxmlformats.org/presentationml/2006/main">
   <p:cSld>
     <p:bg>
@@ -6914,96 +7079,6 @@
 </p:sld>
 </file>
 
-<file path=ppt/slides/slide18.xml><?xml version="1.0" encoding="utf-8"?>
-<p:sld xmlns:a="http://schemas.openxmlformats.org/drawingml/2006/main" xmlns:r="http://schemas.openxmlformats.org/officeDocument/2006/relationships" xmlns:p="http://schemas.openxmlformats.org/presentationml/2006/main">
-  <p:cSld>
-    <p:spTree>
-      <p:nvGrpSpPr>
-        <p:cNvPr id="1" name=""/>
-        <p:cNvGrpSpPr/>
-        <p:nvPr/>
-      </p:nvGrpSpPr>
-      <p:grpSpPr>
-        <a:xfrm>
-          <a:off x="0" y="0"/>
-          <a:ext cx="0" cy="0"/>
-          <a:chOff x="0" y="0"/>
-          <a:chExt cx="0" cy="0"/>
-        </a:xfrm>
-      </p:grpSpPr>
-      <p:sp>
-        <p:nvSpPr>
-          <p:cNvPr id="5" name="Title 4">
-            <a:extLst>
-              <a:ext uri="{FF2B5EF4-FFF2-40B4-BE49-F238E27FC236}">
-                <a16:creationId xmlns:a16="http://schemas.microsoft.com/office/drawing/2014/main" id="{AD2EFD07-F694-345C-4B2F-4614FA7D9DCC}"/>
-              </a:ext>
-            </a:extLst>
-          </p:cNvPr>
-          <p:cNvSpPr>
-            <a:spLocks noGrp="1"/>
-          </p:cNvSpPr>
-          <p:nvPr>
-            <p:ph type="title"/>
-          </p:nvPr>
-        </p:nvSpPr>
-        <p:spPr/>
-        <p:txBody>
-          <a:bodyPr/>
-          <a:lstStyle/>
-          <a:p>
-            <a:r>
-              <a:rPr lang="en-US" dirty="0"/>
-              <a:t>Summary</a:t>
-            </a:r>
-          </a:p>
-        </p:txBody>
-      </p:sp>
-      <p:sp>
-        <p:nvSpPr>
-          <p:cNvPr id="6" name="Content Placeholder 5">
-            <a:extLst>
-              <a:ext uri="{FF2B5EF4-FFF2-40B4-BE49-F238E27FC236}">
-                <a16:creationId xmlns:a16="http://schemas.microsoft.com/office/drawing/2014/main" id="{9904836A-9389-B0FF-C342-D7DD46B32F59}"/>
-              </a:ext>
-            </a:extLst>
-          </p:cNvPr>
-          <p:cNvSpPr>
-            <a:spLocks noGrp="1"/>
-          </p:cNvSpPr>
-          <p:nvPr>
-            <p:ph idx="1"/>
-          </p:nvPr>
-        </p:nvSpPr>
-        <p:spPr/>
-        <p:txBody>
-          <a:bodyPr/>
-          <a:lstStyle/>
-          <a:p>
-            <a:r>
-              <a:rPr lang="en-US"/>
-              <a:t>CPU </a:t>
-            </a:r>
-            <a:r>
-              <a:rPr lang="en-US" dirty="0"/>
-              <a:t>Evolution over time</a:t>
-            </a:r>
-          </a:p>
-        </p:txBody>
-      </p:sp>
-    </p:spTree>
-    <p:extLst>
-      <p:ext uri="{BB962C8B-B14F-4D97-AF65-F5344CB8AC3E}">
-        <p14:creationId xmlns:p14="http://schemas.microsoft.com/office/powerpoint/2010/main" val="2697238516"/>
-      </p:ext>
-    </p:extLst>
-  </p:cSld>
-  <p:clrMapOvr>
-    <a:masterClrMapping/>
-  </p:clrMapOvr>
-</p:sld>
-</file>
-
 <file path=ppt/slides/slide19.xml><?xml version="1.0" encoding="utf-8"?>
 <p:sld xmlns:a="http://schemas.openxmlformats.org/drawingml/2006/main" xmlns:r="http://schemas.openxmlformats.org/officeDocument/2006/relationships" xmlns:p="http://schemas.openxmlformats.org/presentationml/2006/main">
   <p:cSld>
@@ -7023,10 +7098,10 @@
       </p:grpSpPr>
       <p:sp>
         <p:nvSpPr>
-          <p:cNvPr id="2" name="Title 1">
-            <a:extLst>
-              <a:ext uri="{FF2B5EF4-FFF2-40B4-BE49-F238E27FC236}">
-                <a16:creationId xmlns:a16="http://schemas.microsoft.com/office/drawing/2014/main" id="{38E4AE3D-C70D-220E-82A8-C1D64A900A0F}"/>
+          <p:cNvPr id="5" name="Title 4">
+            <a:extLst>
+              <a:ext uri="{FF2B5EF4-FFF2-40B4-BE49-F238E27FC236}">
+                <a16:creationId xmlns:a16="http://schemas.microsoft.com/office/drawing/2014/main" id="{AD2EFD07-F694-345C-4B2F-4614FA7D9DCC}"/>
               </a:ext>
             </a:extLst>
           </p:cNvPr>
@@ -7044,120 +7119,47 @@
           <a:p>
             <a:r>
               <a:rPr lang="en-US" dirty="0"/>
-              <a:t>Acknowledgements / Contributions</a:t>
-            </a:r>
-          </a:p>
-        </p:txBody>
-      </p:sp>
-      <p:sp>
-        <p:nvSpPr>
-          <p:cNvPr id="7" name="TextBox 6">
-            <a:extLst>
-              <a:ext uri="{FF2B5EF4-FFF2-40B4-BE49-F238E27FC236}">
-                <a16:creationId xmlns:a16="http://schemas.microsoft.com/office/drawing/2014/main" id="{D1725F2C-A6DC-4096-AD36-A6A5AF1FFD40}"/>
-              </a:ext>
-            </a:extLst>
-          </p:cNvPr>
-          <p:cNvSpPr txBox="1"/>
-          <p:nvPr/>
-        </p:nvSpPr>
-        <p:spPr>
-          <a:xfrm>
-            <a:off x="838201" y="1502688"/>
-            <a:ext cx="5055704" cy="2492990"/>
-          </a:xfrm>
-          <a:prstGeom prst="rect">
-            <a:avLst/>
-          </a:prstGeom>
-          <a:noFill/>
-        </p:spPr>
-        <p:txBody>
-          <a:bodyPr wrap="square" rtlCol="0">
-            <a:spAutoFit/>
-          </a:bodyPr>
-          <a:lstStyle/>
-          <a:p>
-            <a:r>
-              <a:rPr lang="en-US" sz="1200" dirty="0"/>
-              <a:t>These slides are Copyright 2025-  Charles R. Severance (</a:t>
-            </a:r>
-            <a:r>
-              <a:rPr lang="en-US" sz="1200" dirty="0" err="1"/>
-              <a:t>online.dr-chuck.com</a:t>
-            </a:r>
-            <a:r>
-              <a:rPr lang="en-US" sz="1200" dirty="0"/>
-              <a:t>) as part of www.ca4e.com and made available under a Creative Commons Attribution 4.0 License.  Please maintain this last slide in all copies of the document to comply with the attribution requirements of the license.  If you make a change, feel free to add your name and organization to the list of contributors on this page as you republish the materials.</a:t>
-            </a:r>
-          </a:p>
-          <a:p>
-            <a:endParaRPr lang="en-US" sz="1200" dirty="0"/>
-          </a:p>
-          <a:p>
-            <a:r>
-              <a:rPr lang="en-US" sz="1200" dirty="0"/>
-              <a:t>Initial Development: Charles Severance, University of Michigan School of Information</a:t>
-            </a:r>
-          </a:p>
-          <a:p>
-            <a:endParaRPr lang="en-US" sz="1200" dirty="0"/>
-          </a:p>
-          <a:p>
-            <a:r>
-              <a:rPr lang="en-US" sz="1200" b="1" dirty="0"/>
-              <a:t>Insert new Contributors and Translators here including names and dates</a:t>
-            </a:r>
-          </a:p>
-          <a:p>
-            <a:endParaRPr lang="en-US" sz="1200" dirty="0"/>
-          </a:p>
-          <a:p>
-            <a:endParaRPr lang="en-US" sz="1200" dirty="0"/>
-          </a:p>
-        </p:txBody>
-      </p:sp>
-      <p:sp>
-        <p:nvSpPr>
-          <p:cNvPr id="8" name="TextBox 7">
-            <a:extLst>
-              <a:ext uri="{FF2B5EF4-FFF2-40B4-BE49-F238E27FC236}">
-                <a16:creationId xmlns:a16="http://schemas.microsoft.com/office/drawing/2014/main" id="{A5B0D5A1-502A-F6A1-76FD-6D954B37EE94}"/>
-              </a:ext>
-            </a:extLst>
-          </p:cNvPr>
-          <p:cNvSpPr txBox="1"/>
-          <p:nvPr/>
-        </p:nvSpPr>
-        <p:spPr>
-          <a:xfrm>
-            <a:off x="6298097" y="1502688"/>
-            <a:ext cx="5055704" cy="461665"/>
-          </a:xfrm>
-          <a:prstGeom prst="rect">
-            <a:avLst/>
-          </a:prstGeom>
-          <a:noFill/>
-        </p:spPr>
-        <p:txBody>
-          <a:bodyPr wrap="square" rtlCol="0">
-            <a:spAutoFit/>
-          </a:bodyPr>
-          <a:lstStyle/>
-          <a:p>
-            <a:r>
-              <a:rPr lang="en-US" sz="1200" b="1" dirty="0"/>
-              <a:t>Continue new Contributors and Translators here</a:t>
-            </a:r>
-          </a:p>
-          <a:p>
-            <a:endParaRPr lang="en-US" sz="1200" dirty="0"/>
+              <a:t>Summary</a:t>
+            </a:r>
+          </a:p>
+        </p:txBody>
+      </p:sp>
+      <p:sp>
+        <p:nvSpPr>
+          <p:cNvPr id="6" name="Content Placeholder 5">
+            <a:extLst>
+              <a:ext uri="{FF2B5EF4-FFF2-40B4-BE49-F238E27FC236}">
+                <a16:creationId xmlns:a16="http://schemas.microsoft.com/office/drawing/2014/main" id="{9904836A-9389-B0FF-C342-D7DD46B32F59}"/>
+              </a:ext>
+            </a:extLst>
+          </p:cNvPr>
+          <p:cNvSpPr>
+            <a:spLocks noGrp="1"/>
+          </p:cNvSpPr>
+          <p:nvPr>
+            <p:ph idx="1"/>
+          </p:nvPr>
+        </p:nvSpPr>
+        <p:spPr/>
+        <p:txBody>
+          <a:bodyPr/>
+          <a:lstStyle/>
+          <a:p>
+            <a:r>
+              <a:rPr lang="en-US"/>
+              <a:t>CPU </a:t>
+            </a:r>
+            <a:r>
+              <a:rPr lang="en-US" dirty="0"/>
+              <a:t>Evolution over time</a:t>
+            </a:r>
           </a:p>
         </p:txBody>
       </p:sp>
     </p:spTree>
     <p:extLst>
       <p:ext uri="{BB962C8B-B14F-4D97-AF65-F5344CB8AC3E}">
-        <p14:creationId xmlns:p14="http://schemas.microsoft.com/office/powerpoint/2010/main" val="2963881526"/>
+        <p14:creationId xmlns:p14="http://schemas.microsoft.com/office/powerpoint/2010/main" val="2697238516"/>
       </p:ext>
     </p:extLst>
   </p:cSld>
@@ -7291,6 +7293,169 @@
     <p:extLst>
       <p:ext uri="{BB962C8B-B14F-4D97-AF65-F5344CB8AC3E}">
         <p14:creationId xmlns:p14="http://schemas.microsoft.com/office/powerpoint/2010/main" val="246428705"/>
+      </p:ext>
+    </p:extLst>
+  </p:cSld>
+  <p:clrMapOvr>
+    <a:masterClrMapping/>
+  </p:clrMapOvr>
+</p:sld>
+</file>
+
+<file path=ppt/slides/slide20.xml><?xml version="1.0" encoding="utf-8"?>
+<p:sld xmlns:a="http://schemas.openxmlformats.org/drawingml/2006/main" xmlns:r="http://schemas.openxmlformats.org/officeDocument/2006/relationships" xmlns:p="http://schemas.openxmlformats.org/presentationml/2006/main">
+  <p:cSld>
+    <p:spTree>
+      <p:nvGrpSpPr>
+        <p:cNvPr id="1" name=""/>
+        <p:cNvGrpSpPr/>
+        <p:nvPr/>
+      </p:nvGrpSpPr>
+      <p:grpSpPr>
+        <a:xfrm>
+          <a:off x="0" y="0"/>
+          <a:ext cx="0" cy="0"/>
+          <a:chOff x="0" y="0"/>
+          <a:chExt cx="0" cy="0"/>
+        </a:xfrm>
+      </p:grpSpPr>
+      <p:sp>
+        <p:nvSpPr>
+          <p:cNvPr id="2" name="Title 1">
+            <a:extLst>
+              <a:ext uri="{FF2B5EF4-FFF2-40B4-BE49-F238E27FC236}">
+                <a16:creationId xmlns:a16="http://schemas.microsoft.com/office/drawing/2014/main" id="{38E4AE3D-C70D-220E-82A8-C1D64A900A0F}"/>
+              </a:ext>
+            </a:extLst>
+          </p:cNvPr>
+          <p:cNvSpPr>
+            <a:spLocks noGrp="1"/>
+          </p:cNvSpPr>
+          <p:nvPr>
+            <p:ph type="title"/>
+          </p:nvPr>
+        </p:nvSpPr>
+        <p:spPr/>
+        <p:txBody>
+          <a:bodyPr/>
+          <a:lstStyle/>
+          <a:p>
+            <a:r>
+              <a:rPr lang="en-US" dirty="0"/>
+              <a:t>Acknowledgements / Contributions</a:t>
+            </a:r>
+          </a:p>
+        </p:txBody>
+      </p:sp>
+      <p:sp>
+        <p:nvSpPr>
+          <p:cNvPr id="7" name="TextBox 6">
+            <a:extLst>
+              <a:ext uri="{FF2B5EF4-FFF2-40B4-BE49-F238E27FC236}">
+                <a16:creationId xmlns:a16="http://schemas.microsoft.com/office/drawing/2014/main" id="{D1725F2C-A6DC-4096-AD36-A6A5AF1FFD40}"/>
+              </a:ext>
+            </a:extLst>
+          </p:cNvPr>
+          <p:cNvSpPr txBox="1"/>
+          <p:nvPr/>
+        </p:nvSpPr>
+        <p:spPr>
+          <a:xfrm>
+            <a:off x="838201" y="1502688"/>
+            <a:ext cx="5055704" cy="2492990"/>
+          </a:xfrm>
+          <a:prstGeom prst="rect">
+            <a:avLst/>
+          </a:prstGeom>
+          <a:noFill/>
+        </p:spPr>
+        <p:txBody>
+          <a:bodyPr wrap="square" rtlCol="0">
+            <a:spAutoFit/>
+          </a:bodyPr>
+          <a:lstStyle/>
+          <a:p>
+            <a:r>
+              <a:rPr lang="en-US" sz="1200" dirty="0"/>
+              <a:t>These slides are Copyright 2025-  Charles R. Severance (</a:t>
+            </a:r>
+            <a:r>
+              <a:rPr lang="en-US" sz="1200" dirty="0" err="1"/>
+              <a:t>online.dr-chuck.com</a:t>
+            </a:r>
+            <a:r>
+              <a:rPr lang="en-US" sz="1200" dirty="0"/>
+              <a:t>) as part of www.ca4e.com and made available under a Creative Commons Attribution 4.0 License.  Please maintain this last slide in all copies of the document to comply with the attribution requirements of the license.  If you make a change, feel free to add your name and organization to the list of contributors on this page as you republish the materials.</a:t>
+            </a:r>
+          </a:p>
+          <a:p>
+            <a:endParaRPr lang="en-US" sz="1200" dirty="0"/>
+          </a:p>
+          <a:p>
+            <a:r>
+              <a:rPr lang="en-US" sz="1200" dirty="0"/>
+              <a:t>Initial Development: Charles Severance, University of Michigan School of Information</a:t>
+            </a:r>
+          </a:p>
+          <a:p>
+            <a:endParaRPr lang="en-US" sz="1200" dirty="0"/>
+          </a:p>
+          <a:p>
+            <a:r>
+              <a:rPr lang="en-US" sz="1200" b="1" dirty="0"/>
+              <a:t>Insert new Contributors and Translators here including names and dates</a:t>
+            </a:r>
+          </a:p>
+          <a:p>
+            <a:endParaRPr lang="en-US" sz="1200" dirty="0"/>
+          </a:p>
+          <a:p>
+            <a:endParaRPr lang="en-US" sz="1200" dirty="0"/>
+          </a:p>
+        </p:txBody>
+      </p:sp>
+      <p:sp>
+        <p:nvSpPr>
+          <p:cNvPr id="8" name="TextBox 7">
+            <a:extLst>
+              <a:ext uri="{FF2B5EF4-FFF2-40B4-BE49-F238E27FC236}">
+                <a16:creationId xmlns:a16="http://schemas.microsoft.com/office/drawing/2014/main" id="{A5B0D5A1-502A-F6A1-76FD-6D954B37EE94}"/>
+              </a:ext>
+            </a:extLst>
+          </p:cNvPr>
+          <p:cNvSpPr txBox="1"/>
+          <p:nvPr/>
+        </p:nvSpPr>
+        <p:spPr>
+          <a:xfrm>
+            <a:off x="6298097" y="1502688"/>
+            <a:ext cx="5055704" cy="461665"/>
+          </a:xfrm>
+          <a:prstGeom prst="rect">
+            <a:avLst/>
+          </a:prstGeom>
+          <a:noFill/>
+        </p:spPr>
+        <p:txBody>
+          <a:bodyPr wrap="square" rtlCol="0">
+            <a:spAutoFit/>
+          </a:bodyPr>
+          <a:lstStyle/>
+          <a:p>
+            <a:r>
+              <a:rPr lang="en-US" sz="1200" b="1" dirty="0"/>
+              <a:t>Continue new Contributors and Translators here</a:t>
+            </a:r>
+          </a:p>
+          <a:p>
+            <a:endParaRPr lang="en-US" sz="1200" dirty="0"/>
+          </a:p>
+        </p:txBody>
+      </p:sp>
+    </p:spTree>
+    <p:extLst>
+      <p:ext uri="{BB962C8B-B14F-4D97-AF65-F5344CB8AC3E}">
+        <p14:creationId xmlns:p14="http://schemas.microsoft.com/office/powerpoint/2010/main" val="2963881526"/>
       </p:ext>
     </p:extLst>
   </p:cSld>
